--- a/Prezentacja projektu psi.pptx
+++ b/Prezentacja projektu psi.pptx
@@ -6,12 +6,14 @@
   </p:sldMasterIdLst>
   <p:sldIdLst>
     <p:sldId id="256" r:id="rId2"/>
-    <p:sldId id="257" r:id="rId3"/>
-    <p:sldId id="258" r:id="rId4"/>
-    <p:sldId id="259" r:id="rId5"/>
-    <p:sldId id="260" r:id="rId6"/>
-    <p:sldId id="261" r:id="rId7"/>
-    <p:sldId id="262" r:id="rId8"/>
+    <p:sldId id="264" r:id="rId3"/>
+    <p:sldId id="257" r:id="rId4"/>
+    <p:sldId id="258" r:id="rId5"/>
+    <p:sldId id="259" r:id="rId6"/>
+    <p:sldId id="260" r:id="rId7"/>
+    <p:sldId id="261" r:id="rId8"/>
+    <p:sldId id="262" r:id="rId9"/>
+    <p:sldId id="263" r:id="rId10"/>
   </p:sldIdLst>
   <p:sldSz cx="9144000" cy="6858000" type="screen4x3"/>
   <p:notesSz cx="6858000" cy="9144000"/>
@@ -295,7 +297,7 @@
             <a:fld id="{66221E02-25CB-4963-84BC-0813985E7D90}" type="datetimeFigureOut">
               <a:rPr lang="pl-PL" smtClean="0"/>
               <a:pPr/>
-              <a:t>2017-01-21</a:t>
+              <a:t>2017-01-23</a:t>
             </a:fld>
             <a:endParaRPr lang="pl-PL"/>
           </a:p>
@@ -462,7 +464,7 @@
             <a:fld id="{66221E02-25CB-4963-84BC-0813985E7D90}" type="datetimeFigureOut">
               <a:rPr lang="pl-PL" smtClean="0"/>
               <a:pPr/>
-              <a:t>2017-01-21</a:t>
+              <a:t>2017-01-23</a:t>
             </a:fld>
             <a:endParaRPr lang="pl-PL"/>
           </a:p>
@@ -639,7 +641,7 @@
             <a:fld id="{66221E02-25CB-4963-84BC-0813985E7D90}" type="datetimeFigureOut">
               <a:rPr lang="pl-PL" smtClean="0"/>
               <a:pPr/>
-              <a:t>2017-01-21</a:t>
+              <a:t>2017-01-23</a:t>
             </a:fld>
             <a:endParaRPr lang="pl-PL"/>
           </a:p>
@@ -806,7 +808,7 @@
             <a:fld id="{66221E02-25CB-4963-84BC-0813985E7D90}" type="datetimeFigureOut">
               <a:rPr lang="pl-PL" smtClean="0"/>
               <a:pPr/>
-              <a:t>2017-01-21</a:t>
+              <a:t>2017-01-23</a:t>
             </a:fld>
             <a:endParaRPr lang="pl-PL"/>
           </a:p>
@@ -1049,7 +1051,7 @@
             <a:fld id="{66221E02-25CB-4963-84BC-0813985E7D90}" type="datetimeFigureOut">
               <a:rPr lang="pl-PL" smtClean="0"/>
               <a:pPr/>
-              <a:t>2017-01-21</a:t>
+              <a:t>2017-01-23</a:t>
             </a:fld>
             <a:endParaRPr lang="pl-PL"/>
           </a:p>
@@ -1334,7 +1336,7 @@
             <a:fld id="{66221E02-25CB-4963-84BC-0813985E7D90}" type="datetimeFigureOut">
               <a:rPr lang="pl-PL" smtClean="0"/>
               <a:pPr/>
-              <a:t>2017-01-21</a:t>
+              <a:t>2017-01-23</a:t>
             </a:fld>
             <a:endParaRPr lang="pl-PL"/>
           </a:p>
@@ -1753,7 +1755,7 @@
             <a:fld id="{66221E02-25CB-4963-84BC-0813985E7D90}" type="datetimeFigureOut">
               <a:rPr lang="pl-PL" smtClean="0"/>
               <a:pPr/>
-              <a:t>2017-01-21</a:t>
+              <a:t>2017-01-23</a:t>
             </a:fld>
             <a:endParaRPr lang="pl-PL"/>
           </a:p>
@@ -1868,7 +1870,7 @@
             <a:fld id="{66221E02-25CB-4963-84BC-0813985E7D90}" type="datetimeFigureOut">
               <a:rPr lang="pl-PL" smtClean="0"/>
               <a:pPr/>
-              <a:t>2017-01-21</a:t>
+              <a:t>2017-01-23</a:t>
             </a:fld>
             <a:endParaRPr lang="pl-PL"/>
           </a:p>
@@ -1960,7 +1962,7 @@
             <a:fld id="{66221E02-25CB-4963-84BC-0813985E7D90}" type="datetimeFigureOut">
               <a:rPr lang="pl-PL" smtClean="0"/>
               <a:pPr/>
-              <a:t>2017-01-21</a:t>
+              <a:t>2017-01-23</a:t>
             </a:fld>
             <a:endParaRPr lang="pl-PL"/>
           </a:p>
@@ -2234,7 +2236,7 @@
             <a:fld id="{66221E02-25CB-4963-84BC-0813985E7D90}" type="datetimeFigureOut">
               <a:rPr lang="pl-PL" smtClean="0"/>
               <a:pPr/>
-              <a:t>2017-01-21</a:t>
+              <a:t>2017-01-23</a:t>
             </a:fld>
             <a:endParaRPr lang="pl-PL"/>
           </a:p>
@@ -2484,7 +2486,7 @@
             <a:fld id="{66221E02-25CB-4963-84BC-0813985E7D90}" type="datetimeFigureOut">
               <a:rPr lang="pl-PL" smtClean="0"/>
               <a:pPr/>
-              <a:t>2017-01-21</a:t>
+              <a:t>2017-01-23</a:t>
             </a:fld>
             <a:endParaRPr lang="pl-PL"/>
           </a:p>
@@ -2694,7 +2696,7 @@
             <a:fld id="{66221E02-25CB-4963-84BC-0813985E7D90}" type="datetimeFigureOut">
               <a:rPr lang="pl-PL" smtClean="0"/>
               <a:pPr/>
-              <a:t>2017-01-21</a:t>
+              <a:t>2017-01-23</a:t>
             </a:fld>
             <a:endParaRPr lang="pl-PL"/>
           </a:p>
@@ -3153,7 +3155,7 @@
           <a:p>
             <a:r>
               <a:rPr lang="pl-PL" dirty="0" smtClean="0"/>
-              <a:t>Sieć neuronowa</a:t>
+              <a:t>Cel projektu</a:t>
             </a:r>
             <a:endParaRPr lang="pl-PL" dirty="0"/>
           </a:p>
@@ -3176,25 +3178,7 @@
           <a:p>
             <a:r>
               <a:rPr lang="pl-PL" dirty="0" smtClean="0"/>
-              <a:t>3 warstwowa</a:t>
-            </a:r>
-          </a:p>
-          <a:p>
-            <a:r>
-              <a:rPr lang="pl-PL" dirty="0" smtClean="0"/>
-              <a:t>1 warstwa 48 neuronów</a:t>
-            </a:r>
-          </a:p>
-          <a:p>
-            <a:r>
-              <a:rPr lang="pl-PL" dirty="0" smtClean="0"/>
-              <a:t>2 warstwa 21 neuronów</a:t>
-            </a:r>
-          </a:p>
-          <a:p>
-            <a:r>
-              <a:rPr lang="pl-PL" dirty="0" smtClean="0"/>
-              <a:t>3 warstwa 9 neuronów</a:t>
+              <a:t>Stworzenie sztucznej inteligencji dla gry kółko krzyżyk wykorzystując sieć neuronową</a:t>
             </a:r>
             <a:endParaRPr lang="pl-PL" dirty="0"/>
           </a:p>
@@ -3242,15 +3226,96 @@
           <a:p>
             <a:r>
               <a:rPr lang="pl-PL" dirty="0" smtClean="0"/>
-              <a:t>Pojedynczy </a:t>
-            </a:r>
+              <a:t>Sieć neuronowa</a:t>
+            </a:r>
+            <a:endParaRPr lang="pl-PL" dirty="0"/>
+          </a:p>
+        </p:txBody>
+      </p:sp>
+      <p:sp>
+        <p:nvSpPr>
+          <p:cNvPr id="3" name="Symbol zastępczy zawartości 2"/>
+          <p:cNvSpPr>
+            <a:spLocks noGrp="1"/>
+          </p:cNvSpPr>
+          <p:nvPr>
+            <p:ph idx="1"/>
+          </p:nvPr>
+        </p:nvSpPr>
+        <p:spPr/>
+        <p:txBody>
+          <a:bodyPr/>
+          <a:lstStyle/>
+          <a:p>
             <a:r>
               <a:rPr lang="pl-PL" dirty="0" smtClean="0"/>
-              <a:t>n</a:t>
-            </a:r>
+              <a:t>3 warstwowa</a:t>
+            </a:r>
+          </a:p>
+          <a:p>
             <a:r>
               <a:rPr lang="pl-PL" dirty="0" smtClean="0"/>
-              <a:t>euron</a:t>
+              <a:t>1 warstwa 48 neuronów</a:t>
+            </a:r>
+          </a:p>
+          <a:p>
+            <a:r>
+              <a:rPr lang="pl-PL" dirty="0" smtClean="0"/>
+              <a:t>2 warstwa 21 neuronów</a:t>
+            </a:r>
+          </a:p>
+          <a:p>
+            <a:r>
+              <a:rPr lang="pl-PL" dirty="0" smtClean="0"/>
+              <a:t>3 warstwa 9 neuronów</a:t>
+            </a:r>
+            <a:endParaRPr lang="pl-PL" dirty="0"/>
+          </a:p>
+        </p:txBody>
+      </p:sp>
+    </p:spTree>
+  </p:cSld>
+  <p:clrMapOvr>
+    <a:masterClrMapping/>
+  </p:clrMapOvr>
+</p:sld>
+</file>
+
+<file path=ppt/slides/slide4.xml><?xml version="1.0" encoding="utf-8"?>
+<p:sld xmlns:a="http://schemas.openxmlformats.org/drawingml/2006/main" xmlns:r="http://schemas.openxmlformats.org/officeDocument/2006/relationships" xmlns:p="http://schemas.openxmlformats.org/presentationml/2006/main">
+  <p:cSld>
+    <p:spTree>
+      <p:nvGrpSpPr>
+        <p:cNvPr id="1" name=""/>
+        <p:cNvGrpSpPr/>
+        <p:nvPr/>
+      </p:nvGrpSpPr>
+      <p:grpSpPr>
+        <a:xfrm>
+          <a:off x="0" y="0"/>
+          <a:ext cx="0" cy="0"/>
+          <a:chOff x="0" y="0"/>
+          <a:chExt cx="0" cy="0"/>
+        </a:xfrm>
+      </p:grpSpPr>
+      <p:sp>
+        <p:nvSpPr>
+          <p:cNvPr id="2" name="Tytuł 1"/>
+          <p:cNvSpPr>
+            <a:spLocks noGrp="1"/>
+          </p:cNvSpPr>
+          <p:nvPr>
+            <p:ph type="title"/>
+          </p:nvPr>
+        </p:nvSpPr>
+        <p:spPr/>
+        <p:txBody>
+          <a:bodyPr/>
+          <a:lstStyle/>
+          <a:p>
+            <a:r>
+              <a:rPr lang="pl-PL" dirty="0" smtClean="0"/>
+              <a:t>Pojedynczy neuron</a:t>
             </a:r>
             <a:endParaRPr lang="pl-PL" dirty="0"/>
           </a:p>
@@ -3347,7 +3412,7 @@
 </p:sld>
 </file>
 
-<file path=ppt/slides/slide4.xml><?xml version="1.0" encoding="utf-8"?>
+<file path=ppt/slides/slide5.xml><?xml version="1.0" encoding="utf-8"?>
 <p:sld xmlns:a="http://schemas.openxmlformats.org/drawingml/2006/main" xmlns:r="http://schemas.openxmlformats.org/officeDocument/2006/relationships" xmlns:p="http://schemas.openxmlformats.org/presentationml/2006/main">
   <p:cSld>
     <p:spTree>
@@ -3451,7 +3516,7 @@
 </p:sld>
 </file>
 
-<file path=ppt/slides/slide5.xml><?xml version="1.0" encoding="utf-8"?>
+<file path=ppt/slides/slide6.xml><?xml version="1.0" encoding="utf-8"?>
 <p:sld xmlns:a="http://schemas.openxmlformats.org/drawingml/2006/main" xmlns:r="http://schemas.openxmlformats.org/officeDocument/2006/relationships" xmlns:p="http://schemas.openxmlformats.org/presentationml/2006/main">
   <p:cSld>
     <p:spTree>
@@ -3611,87 +3676,6 @@
 </p:sld>
 </file>
 
-<file path=ppt/slides/slide6.xml><?xml version="1.0" encoding="utf-8"?>
-<p:sld xmlns:a="http://schemas.openxmlformats.org/drawingml/2006/main" xmlns:r="http://schemas.openxmlformats.org/officeDocument/2006/relationships" xmlns:p="http://schemas.openxmlformats.org/presentationml/2006/main">
-  <p:cSld>
-    <p:spTree>
-      <p:nvGrpSpPr>
-        <p:cNvPr id="1" name=""/>
-        <p:cNvGrpSpPr/>
-        <p:nvPr/>
-      </p:nvGrpSpPr>
-      <p:grpSpPr>
-        <a:xfrm>
-          <a:off x="0" y="0"/>
-          <a:ext cx="0" cy="0"/>
-          <a:chOff x="0" y="0"/>
-          <a:chExt cx="0" cy="0"/>
-        </a:xfrm>
-      </p:grpSpPr>
-      <p:sp>
-        <p:nvSpPr>
-          <p:cNvPr id="2" name="Tytuł 1"/>
-          <p:cNvSpPr>
-            <a:spLocks noGrp="1"/>
-          </p:cNvSpPr>
-          <p:nvPr>
-            <p:ph type="title"/>
-          </p:nvPr>
-        </p:nvSpPr>
-        <p:spPr/>
-        <p:txBody>
-          <a:bodyPr/>
-          <a:lstStyle/>
-          <a:p>
-            <a:r>
-              <a:rPr lang="pl-PL" dirty="0" smtClean="0"/>
-              <a:t>Wyjście sieci</a:t>
-            </a:r>
-            <a:endParaRPr lang="pl-PL" dirty="0"/>
-          </a:p>
-        </p:txBody>
-      </p:sp>
-      <p:sp>
-        <p:nvSpPr>
-          <p:cNvPr id="3" name="Symbol zastępczy zawartości 2"/>
-          <p:cNvSpPr>
-            <a:spLocks noGrp="1"/>
-          </p:cNvSpPr>
-          <p:nvPr>
-            <p:ph idx="1"/>
-          </p:nvPr>
-        </p:nvSpPr>
-        <p:spPr/>
-        <p:txBody>
-          <a:bodyPr/>
-          <a:lstStyle/>
-          <a:p>
-            <a:r>
-              <a:rPr lang="pl-PL" dirty="0" smtClean="0"/>
-              <a:t>będzie stanowił wektor w którym osiem wartości będą stanowiły zera a jedną wartością będzie 1 , które będzie wskazywało </a:t>
-            </a:r>
-            <a:r>
-              <a:rPr lang="pl-PL" dirty="0" smtClean="0"/>
-              <a:t>pole gdzie </a:t>
-            </a:r>
-            <a:r>
-              <a:rPr lang="pl-PL" dirty="0" smtClean="0"/>
-              <a:t>komputer wykona ruch.</a:t>
-            </a:r>
-          </a:p>
-          <a:p>
-            <a:endParaRPr lang="pl-PL" dirty="0"/>
-          </a:p>
-        </p:txBody>
-      </p:sp>
-    </p:spTree>
-  </p:cSld>
-  <p:clrMapOvr>
-    <a:masterClrMapping/>
-  </p:clrMapOvr>
-</p:sld>
-</file>
-
 <file path=ppt/slides/slide7.xml><?xml version="1.0" encoding="utf-8"?>
 <p:sld xmlns:a="http://schemas.openxmlformats.org/drawingml/2006/main" xmlns:r="http://schemas.openxmlformats.org/officeDocument/2006/relationships" xmlns:p="http://schemas.openxmlformats.org/presentationml/2006/main">
   <p:cSld>
@@ -3726,6 +3710,79 @@
           <a:p>
             <a:r>
               <a:rPr lang="pl-PL" dirty="0" smtClean="0"/>
+              <a:t>Wyjście sieci</a:t>
+            </a:r>
+            <a:endParaRPr lang="pl-PL" dirty="0"/>
+          </a:p>
+        </p:txBody>
+      </p:sp>
+      <p:sp>
+        <p:nvSpPr>
+          <p:cNvPr id="3" name="Symbol zastępczy zawartości 2"/>
+          <p:cNvSpPr>
+            <a:spLocks noGrp="1"/>
+          </p:cNvSpPr>
+          <p:nvPr>
+            <p:ph idx="1"/>
+          </p:nvPr>
+        </p:nvSpPr>
+        <p:spPr/>
+        <p:txBody>
+          <a:bodyPr/>
+          <a:lstStyle/>
+          <a:p>
+            <a:r>
+              <a:rPr lang="pl-PL" dirty="0" smtClean="0"/>
+              <a:t>będzie stanowił wektor w którym osiem wartości będą stanowiły zera a jedną wartością będzie 1 , które będzie wskazywało pole gdzie komputer wykona ruch.</a:t>
+            </a:r>
+          </a:p>
+          <a:p>
+            <a:endParaRPr lang="pl-PL" dirty="0"/>
+          </a:p>
+        </p:txBody>
+      </p:sp>
+    </p:spTree>
+  </p:cSld>
+  <p:clrMapOvr>
+    <a:masterClrMapping/>
+  </p:clrMapOvr>
+</p:sld>
+</file>
+
+<file path=ppt/slides/slide8.xml><?xml version="1.0" encoding="utf-8"?>
+<p:sld xmlns:a="http://schemas.openxmlformats.org/drawingml/2006/main" xmlns:r="http://schemas.openxmlformats.org/officeDocument/2006/relationships" xmlns:p="http://schemas.openxmlformats.org/presentationml/2006/main">
+  <p:cSld>
+    <p:spTree>
+      <p:nvGrpSpPr>
+        <p:cNvPr id="1" name=""/>
+        <p:cNvGrpSpPr/>
+        <p:nvPr/>
+      </p:nvGrpSpPr>
+      <p:grpSpPr>
+        <a:xfrm>
+          <a:off x="0" y="0"/>
+          <a:ext cx="0" cy="0"/>
+          <a:chOff x="0" y="0"/>
+          <a:chExt cx="0" cy="0"/>
+        </a:xfrm>
+      </p:grpSpPr>
+      <p:sp>
+        <p:nvSpPr>
+          <p:cNvPr id="2" name="Tytuł 1"/>
+          <p:cNvSpPr>
+            <a:spLocks noGrp="1"/>
+          </p:cNvSpPr>
+          <p:nvPr>
+            <p:ph type="title"/>
+          </p:nvPr>
+        </p:nvSpPr>
+        <p:spPr/>
+        <p:txBody>
+          <a:bodyPr/>
+          <a:lstStyle/>
+          <a:p>
+            <a:r>
+              <a:rPr lang="pl-PL" dirty="0" smtClean="0"/>
               <a:t>Uczenie sieci</a:t>
             </a:r>
             <a:endParaRPr lang="pl-PL" dirty="0"/>
@@ -3750,6 +3807,110 @@
             <a:r>
               <a:rPr lang="pl-PL" dirty="0" smtClean="0"/>
               <a:t>Zastosowanie algorytmu wstecznej propagacji błędu</a:t>
+            </a:r>
+            <a:endParaRPr lang="pl-PL" dirty="0"/>
+          </a:p>
+        </p:txBody>
+      </p:sp>
+      <p:pic>
+        <p:nvPicPr>
+          <p:cNvPr id="1026" name="Picture 2"/>
+          <p:cNvPicPr>
+            <a:picLocks noChangeAspect="1" noChangeArrowheads="1"/>
+          </p:cNvPicPr>
+          <p:nvPr/>
+        </p:nvPicPr>
+        <p:blipFill>
+          <a:blip r:embed="rId2"/>
+          <a:srcRect/>
+          <a:stretch>
+            <a:fillRect/>
+          </a:stretch>
+        </p:blipFill>
+        <p:spPr bwMode="auto">
+          <a:xfrm>
+            <a:off x="1714480" y="2786058"/>
+            <a:ext cx="6191250" cy="3314700"/>
+          </a:xfrm>
+          <a:prstGeom prst="rect">
+            <a:avLst/>
+          </a:prstGeom>
+          <a:noFill/>
+          <a:ln w="9525">
+            <a:noFill/>
+            <a:miter lim="800000"/>
+            <a:headEnd/>
+            <a:tailEnd/>
+          </a:ln>
+          <a:effectLst/>
+        </p:spPr>
+      </p:pic>
+    </p:spTree>
+  </p:cSld>
+  <p:clrMapOvr>
+    <a:masterClrMapping/>
+  </p:clrMapOvr>
+</p:sld>
+</file>
+
+<file path=ppt/slides/slide9.xml><?xml version="1.0" encoding="utf-8"?>
+<p:sld xmlns:a="http://schemas.openxmlformats.org/drawingml/2006/main" xmlns:r="http://schemas.openxmlformats.org/officeDocument/2006/relationships" xmlns:p="http://schemas.openxmlformats.org/presentationml/2006/main">
+  <p:cSld>
+    <p:spTree>
+      <p:nvGrpSpPr>
+        <p:cNvPr id="1" name=""/>
+        <p:cNvGrpSpPr/>
+        <p:nvPr/>
+      </p:nvGrpSpPr>
+      <p:grpSpPr>
+        <a:xfrm>
+          <a:off x="0" y="0"/>
+          <a:ext cx="0" cy="0"/>
+          <a:chOff x="0" y="0"/>
+          <a:chExt cx="0" cy="0"/>
+        </a:xfrm>
+      </p:grpSpPr>
+      <p:sp>
+        <p:nvSpPr>
+          <p:cNvPr id="6" name="Tytuł 5"/>
+          <p:cNvSpPr>
+            <a:spLocks noGrp="1"/>
+          </p:cNvSpPr>
+          <p:nvPr>
+            <p:ph type="ctrTitle"/>
+          </p:nvPr>
+        </p:nvSpPr>
+        <p:spPr/>
+        <p:txBody>
+          <a:bodyPr/>
+          <a:lstStyle/>
+          <a:p>
+            <a:r>
+              <a:rPr lang="pl-PL" dirty="0" smtClean="0"/>
+              <a:t>Opracował</a:t>
+            </a:r>
+            <a:endParaRPr lang="pl-PL" dirty="0"/>
+          </a:p>
+        </p:txBody>
+      </p:sp>
+      <p:sp>
+        <p:nvSpPr>
+          <p:cNvPr id="7" name="Podtytuł 6"/>
+          <p:cNvSpPr>
+            <a:spLocks noGrp="1"/>
+          </p:cNvSpPr>
+          <p:nvPr>
+            <p:ph type="subTitle" idx="1"/>
+          </p:nvPr>
+        </p:nvSpPr>
+        <p:spPr/>
+        <p:txBody>
+          <a:bodyPr/>
+          <a:lstStyle/>
+          <a:p>
+            <a:r>
+              <a:rPr lang="pl-PL" dirty="0" smtClean="0"/>
+              <a:t>Marcin Kudyba</a:t>
             </a:r>
             <a:endParaRPr lang="pl-PL" dirty="0"/>
           </a:p>
